--- a/Game Hub.pptx
+++ b/Game Hub.pptx
@@ -10,10 +10,11 @@
     <p:sldId id="258" r:id="rId4"/>
     <p:sldId id="259" r:id="rId5"/>
     <p:sldId id="260" r:id="rId6"/>
-    <p:sldId id="261" r:id="rId7"/>
-    <p:sldId id="262" r:id="rId8"/>
-    <p:sldId id="263" r:id="rId9"/>
-    <p:sldId id="264" r:id="rId10"/>
+    <p:sldId id="265" r:id="rId7"/>
+    <p:sldId id="261" r:id="rId8"/>
+    <p:sldId id="262" r:id="rId9"/>
+    <p:sldId id="263" r:id="rId10"/>
+    <p:sldId id="264" r:id="rId11"/>
   </p:sldIdLst>
   <p:sldSz cx="12192000" cy="6858000"/>
   <p:notesSz cx="6858000" cy="9144000"/>
@@ -125,6 +126,7 @@
   <p1510:revLst>
     <p1510:client id="{2DB6192E-0C33-43CE-AB62-B72729A7120D}" v="189" dt="2023-06-13T12:25:20.260"/>
     <p1510:client id="{3937AD03-98A8-4DAA-A848-98BF2AB4908F}" v="453" dt="2023-06-13T11:10:33.745"/>
+    <p1510:client id="{594F8833-E8EB-4C33-BF54-EFD3830FD0F4}" v="19" dt="2023-06-13T12:52:05.116"/>
     <p1510:client id="{A83A707C-61C3-488C-844A-209824B9042C}" v="25" dt="2023-06-13T11:40:58.532"/>
   </p1510:revLst>
 </p1510:revInfo>
@@ -808,6 +810,157 @@
           </pc:sldLayoutMkLst>
         </pc:sldLayoutChg>
       </pc:sldMasterChg>
+    </pc:docChg>
+  </pc:docChgLst>
+  <pc:docChgLst>
+    <pc:chgData name="Sudip Awasthi" userId="f8e40b7d75871431" providerId="Windows Live" clId="Web-{594F8833-E8EB-4C33-BF54-EFD3830FD0F4}"/>
+    <pc:docChg chg="addSld modSld">
+      <pc:chgData name="Sudip Awasthi" userId="f8e40b7d75871431" providerId="Windows Live" clId="Web-{594F8833-E8EB-4C33-BF54-EFD3830FD0F4}" dt="2023-06-13T12:52:11.382" v="22"/>
+      <pc:docMkLst>
+        <pc:docMk/>
+      </pc:docMkLst>
+      <pc:sldChg chg="addSp delSp modSp mod setBg">
+        <pc:chgData name="Sudip Awasthi" userId="f8e40b7d75871431" providerId="Windows Live" clId="Web-{594F8833-E8EB-4C33-BF54-EFD3830FD0F4}" dt="2023-06-13T12:52:11.382" v="22"/>
+        <pc:sldMkLst>
+          <pc:docMk/>
+          <pc:sldMk cId="3084233281" sldId="260"/>
+        </pc:sldMkLst>
+        <pc:spChg chg="mod">
+          <ac:chgData name="Sudip Awasthi" userId="f8e40b7d75871431" providerId="Windows Live" clId="Web-{594F8833-E8EB-4C33-BF54-EFD3830FD0F4}" dt="2023-06-13T12:52:11.382" v="22"/>
+          <ac:spMkLst>
+            <pc:docMk/>
+            <pc:sldMk cId="3084233281" sldId="260"/>
+            <ac:spMk id="2" creationId="{BD0DEBF4-FB94-F260-CD86-E09F399643DD}"/>
+          </ac:spMkLst>
+        </pc:spChg>
+        <pc:spChg chg="mod ord">
+          <ac:chgData name="Sudip Awasthi" userId="f8e40b7d75871431" providerId="Windows Live" clId="Web-{594F8833-E8EB-4C33-BF54-EFD3830FD0F4}" dt="2023-06-13T12:52:11.382" v="22"/>
+          <ac:spMkLst>
+            <pc:docMk/>
+            <pc:sldMk cId="3084233281" sldId="260"/>
+            <ac:spMk id="7" creationId="{B3E9A944-86DD-684F-3C7E-889DF660A1EB}"/>
+          </ac:spMkLst>
+        </pc:spChg>
+        <pc:spChg chg="del">
+          <ac:chgData name="Sudip Awasthi" userId="f8e40b7d75871431" providerId="Windows Live" clId="Web-{594F8833-E8EB-4C33-BF54-EFD3830FD0F4}" dt="2023-06-13T12:52:11.382" v="22"/>
+          <ac:spMkLst>
+            <pc:docMk/>
+            <pc:sldMk cId="3084233281" sldId="260"/>
+            <ac:spMk id="8" creationId="{3741B58E-3B65-4A01-A276-975AB2CF8A08}"/>
+          </ac:spMkLst>
+        </pc:spChg>
+        <pc:spChg chg="del">
+          <ac:chgData name="Sudip Awasthi" userId="f8e40b7d75871431" providerId="Windows Live" clId="Web-{594F8833-E8EB-4C33-BF54-EFD3830FD0F4}" dt="2023-06-13T12:52:11.382" v="22"/>
+          <ac:spMkLst>
+            <pc:docMk/>
+            <pc:sldMk cId="3084233281" sldId="260"/>
+            <ac:spMk id="10" creationId="{7AAC67C3-831B-4AB1-A259-DFB839CAFAFC}"/>
+          </ac:spMkLst>
+        </pc:spChg>
+        <pc:spChg chg="add">
+          <ac:chgData name="Sudip Awasthi" userId="f8e40b7d75871431" providerId="Windows Live" clId="Web-{594F8833-E8EB-4C33-BF54-EFD3830FD0F4}" dt="2023-06-13T12:52:11.382" v="22"/>
+          <ac:spMkLst>
+            <pc:docMk/>
+            <pc:sldMk cId="3084233281" sldId="260"/>
+            <ac:spMk id="15" creationId="{73734CDA-1CE8-4F1C-B0B3-AAB252B0135C}"/>
+          </ac:spMkLst>
+        </pc:spChg>
+        <pc:spChg chg="add">
+          <ac:chgData name="Sudip Awasthi" userId="f8e40b7d75871431" providerId="Windows Live" clId="Web-{594F8833-E8EB-4C33-BF54-EFD3830FD0F4}" dt="2023-06-13T12:52:11.382" v="22"/>
+          <ac:spMkLst>
+            <pc:docMk/>
+            <pc:sldMk cId="3084233281" sldId="260"/>
+            <ac:spMk id="19" creationId="{3BD57AB6-3172-4520-B22E-FCD0184F3BA3}"/>
+          </ac:spMkLst>
+        </pc:spChg>
+        <pc:picChg chg="add mod">
+          <ac:chgData name="Sudip Awasthi" userId="f8e40b7d75871431" providerId="Windows Live" clId="Web-{594F8833-E8EB-4C33-BF54-EFD3830FD0F4}" dt="2023-06-13T12:52:11.382" v="22"/>
+          <ac:picMkLst>
+            <pc:docMk/>
+            <pc:sldMk cId="3084233281" sldId="260"/>
+            <ac:picMk id="3" creationId="{00FAE0A0-ABEB-6FA5-51AD-841FD2BF586D}"/>
+          </ac:picMkLst>
+        </pc:picChg>
+        <pc:cxnChg chg="add">
+          <ac:chgData name="Sudip Awasthi" userId="f8e40b7d75871431" providerId="Windows Live" clId="Web-{594F8833-E8EB-4C33-BF54-EFD3830FD0F4}" dt="2023-06-13T12:52:11.382" v="22"/>
+          <ac:cxnSpMkLst>
+            <pc:docMk/>
+            <pc:sldMk cId="3084233281" sldId="260"/>
+            <ac:cxnSpMk id="17" creationId="{D7143990-FA50-4B23-AE6D-E17D22F52676}"/>
+          </ac:cxnSpMkLst>
+        </pc:cxnChg>
+      </pc:sldChg>
+      <pc:sldChg chg="addSp delSp modSp new mod setBg setClrOvrMap">
+        <pc:chgData name="Sudip Awasthi" userId="f8e40b7d75871431" providerId="Windows Live" clId="Web-{594F8833-E8EB-4C33-BF54-EFD3830FD0F4}" dt="2023-06-13T12:50:27.707" v="20"/>
+        <pc:sldMkLst>
+          <pc:docMk/>
+          <pc:sldMk cId="654581123" sldId="265"/>
+        </pc:sldMkLst>
+        <pc:spChg chg="mod">
+          <ac:chgData name="Sudip Awasthi" userId="f8e40b7d75871431" providerId="Windows Live" clId="Web-{594F8833-E8EB-4C33-BF54-EFD3830FD0F4}" dt="2023-06-13T12:50:27.707" v="20"/>
+          <ac:spMkLst>
+            <pc:docMk/>
+            <pc:sldMk cId="654581123" sldId="265"/>
+            <ac:spMk id="2" creationId="{53A9201A-4135-4C5C-81F7-333487197409}"/>
+          </ac:spMkLst>
+        </pc:spChg>
+        <pc:spChg chg="mod ord">
+          <ac:chgData name="Sudip Awasthi" userId="f8e40b7d75871431" providerId="Windows Live" clId="Web-{594F8833-E8EB-4C33-BF54-EFD3830FD0F4}" dt="2023-06-13T12:50:27.707" v="20"/>
+          <ac:spMkLst>
+            <pc:docMk/>
+            <pc:sldMk cId="654581123" sldId="265"/>
+            <ac:spMk id="3" creationId="{8FFD7CBE-6AFE-EC69-7B5A-868E177C7A06}"/>
+          </ac:spMkLst>
+        </pc:spChg>
+        <pc:spChg chg="add del">
+          <ac:chgData name="Sudip Awasthi" userId="f8e40b7d75871431" providerId="Windows Live" clId="Web-{594F8833-E8EB-4C33-BF54-EFD3830FD0F4}" dt="2023-06-13T12:50:27.707" v="20"/>
+          <ac:spMkLst>
+            <pc:docMk/>
+            <pc:sldMk cId="654581123" sldId="265"/>
+            <ac:spMk id="8" creationId="{C8DD82D3-D002-45B0-B16A-82B3DA4EFDDB}"/>
+          </ac:spMkLst>
+        </pc:spChg>
+        <pc:spChg chg="add">
+          <ac:chgData name="Sudip Awasthi" userId="f8e40b7d75871431" providerId="Windows Live" clId="Web-{594F8833-E8EB-4C33-BF54-EFD3830FD0F4}" dt="2023-06-13T12:50:27.707" v="20"/>
+          <ac:spMkLst>
+            <pc:docMk/>
+            <pc:sldMk cId="654581123" sldId="265"/>
+            <ac:spMk id="15" creationId="{73734CDA-1CE8-4F1C-B0B3-AAB252B0135C}"/>
+          </ac:spMkLst>
+        </pc:spChg>
+        <pc:spChg chg="add">
+          <ac:chgData name="Sudip Awasthi" userId="f8e40b7d75871431" providerId="Windows Live" clId="Web-{594F8833-E8EB-4C33-BF54-EFD3830FD0F4}" dt="2023-06-13T12:50:27.707" v="20"/>
+          <ac:spMkLst>
+            <pc:docMk/>
+            <pc:sldMk cId="654581123" sldId="265"/>
+            <ac:spMk id="19" creationId="{3BD57AB6-3172-4520-B22E-FCD0184F3BA3}"/>
+          </ac:spMkLst>
+        </pc:spChg>
+        <pc:picChg chg="add mod">
+          <ac:chgData name="Sudip Awasthi" userId="f8e40b7d75871431" providerId="Windows Live" clId="Web-{594F8833-E8EB-4C33-BF54-EFD3830FD0F4}" dt="2023-06-13T12:50:27.707" v="20"/>
+          <ac:picMkLst>
+            <pc:docMk/>
+            <pc:sldMk cId="654581123" sldId="265"/>
+            <ac:picMk id="4" creationId="{48D031AC-56DC-1102-C387-57CE9B01982E}"/>
+          </ac:picMkLst>
+        </pc:picChg>
+        <pc:cxnChg chg="add del">
+          <ac:chgData name="Sudip Awasthi" userId="f8e40b7d75871431" providerId="Windows Live" clId="Web-{594F8833-E8EB-4C33-BF54-EFD3830FD0F4}" dt="2023-06-13T12:50:27.707" v="20"/>
+          <ac:cxnSpMkLst>
+            <pc:docMk/>
+            <pc:sldMk cId="654581123" sldId="265"/>
+            <ac:cxnSpMk id="10" creationId="{9F09C252-16FE-4557-AD6D-BB5CA773496C}"/>
+          </ac:cxnSpMkLst>
+        </pc:cxnChg>
+        <pc:cxnChg chg="add">
+          <ac:chgData name="Sudip Awasthi" userId="f8e40b7d75871431" providerId="Windows Live" clId="Web-{594F8833-E8EB-4C33-BF54-EFD3830FD0F4}" dt="2023-06-13T12:50:27.707" v="20"/>
+          <ac:cxnSpMkLst>
+            <pc:docMk/>
+            <pc:sldMk cId="654581123" sldId="265"/>
+            <ac:cxnSpMk id="17" creationId="{D7143990-FA50-4B23-AE6D-E17D22F52676}"/>
+          </ac:cxnSpMkLst>
+        </pc:cxnChg>
+      </pc:sldChg>
     </pc:docChg>
   </pc:docChgLst>
   <pc:docChgLst>
@@ -5106,6 +5259,115 @@
 </p:sld>
 </file>
 
+<file path=ppt/slides/slide10.xml><?xml version="1.0" encoding="utf-8"?>
+<p:sld xmlns:a="http://schemas.openxmlformats.org/drawingml/2006/main" xmlns:r="http://schemas.openxmlformats.org/officeDocument/2006/relationships" xmlns:p="http://schemas.openxmlformats.org/presentationml/2006/main">
+  <p:cSld>
+    <p:bg>
+      <p:bgPr>
+        <a:blipFill>
+          <a:blip r:embed="rId2"/>
+          <a:stretch>
+            <a:fillRect/>
+          </a:stretch>
+        </a:blipFill>
+        <a:effectLst/>
+      </p:bgPr>
+    </p:bg>
+    <p:spTree>
+      <p:nvGrpSpPr>
+        <p:cNvPr id="1" name=""/>
+        <p:cNvGrpSpPr/>
+        <p:nvPr/>
+      </p:nvGrpSpPr>
+      <p:grpSpPr>
+        <a:xfrm>
+          <a:off x="0" y="0"/>
+          <a:ext cx="0" cy="0"/>
+          <a:chOff x="0" y="0"/>
+          <a:chExt cx="0" cy="0"/>
+        </a:xfrm>
+      </p:grpSpPr>
+      <p:sp>
+        <p:nvSpPr>
+          <p:cNvPr id="2" name="Title 1">
+            <a:extLst>
+              <a:ext uri="{FF2B5EF4-FFF2-40B4-BE49-F238E27FC236}">
+                <a16:creationId xmlns:a16="http://schemas.microsoft.com/office/drawing/2014/main" id="{11F8F6FA-7E0C-5C29-45F8-A2B49BE056DF}"/>
+              </a:ext>
+            </a:extLst>
+          </p:cNvPr>
+          <p:cNvSpPr>
+            <a:spLocks noGrp="1"/>
+          </p:cNvSpPr>
+          <p:nvPr>
+            <p:ph type="title" idx="4294967295"/>
+          </p:nvPr>
+        </p:nvSpPr>
+        <p:spPr>
+          <a:xfrm>
+            <a:off x="2133600" y="287338"/>
+            <a:ext cx="10058400" cy="1449387"/>
+          </a:xfrm>
+        </p:spPr>
+        <p:txBody>
+          <a:bodyPr/>
+          <a:lstStyle/>
+          <a:p>
+            <a:r>
+              <a:rPr lang="en-GB" dirty="0"/>
+              <a:t>At the end</a:t>
+            </a:r>
+          </a:p>
+        </p:txBody>
+      </p:sp>
+      <p:sp>
+        <p:nvSpPr>
+          <p:cNvPr id="3" name="Content Placeholder 2">
+            <a:extLst>
+              <a:ext uri="{FF2B5EF4-FFF2-40B4-BE49-F238E27FC236}">
+                <a16:creationId xmlns:a16="http://schemas.microsoft.com/office/drawing/2014/main" id="{344304FF-18A0-D314-758C-ED17459097EE}"/>
+              </a:ext>
+            </a:extLst>
+          </p:cNvPr>
+          <p:cNvSpPr>
+            <a:spLocks noGrp="1"/>
+          </p:cNvSpPr>
+          <p:nvPr>
+            <p:ph idx="4294967295"/>
+          </p:nvPr>
+        </p:nvSpPr>
+        <p:spPr>
+          <a:xfrm>
+            <a:off x="2133600" y="2108200"/>
+            <a:ext cx="10058400" cy="3760788"/>
+          </a:xfrm>
+        </p:spPr>
+        <p:txBody>
+          <a:bodyPr vert="horz" lIns="0" tIns="45720" rIns="0" bIns="45720" rtlCol="0" anchor="t">
+            <a:normAutofit/>
+          </a:bodyPr>
+          <a:lstStyle/>
+          <a:p>
+            <a:r>
+              <a:rPr lang="en-GB" dirty="0"/>
+              <a:t>Any Questions?</a:t>
+            </a:r>
+          </a:p>
+        </p:txBody>
+      </p:sp>
+    </p:spTree>
+    <p:extLst>
+      <p:ext uri="{BB962C8B-B14F-4D97-AF65-F5344CB8AC3E}">
+        <p14:creationId xmlns:p14="http://schemas.microsoft.com/office/powerpoint/2010/main" val="2800591013"/>
+      </p:ext>
+    </p:extLst>
+  </p:cSld>
+  <p:clrMapOvr>
+    <a:masterClrMapping/>
+  </p:clrMapOvr>
+</p:sld>
+</file>
+
 <file path=ppt/slides/slide2.xml><?xml version="1.0" encoding="utf-8"?>
 <p:sld xmlns:a="http://schemas.openxmlformats.org/drawingml/2006/main" xmlns:r="http://schemas.openxmlformats.org/officeDocument/2006/relationships" xmlns:p="http://schemas.openxmlformats.org/presentationml/2006/main">
   <p:cSld>
@@ -5771,12 +6033,9 @@
   <p:cSld>
     <p:bg>
       <p:bgPr>
-        <a:blipFill>
-          <a:blip r:embed="rId2"/>
-          <a:stretch>
-            <a:fillRect l="-2000" r="-2000"/>
-          </a:stretch>
-        </a:blipFill>
+        <a:solidFill>
+          <a:schemeClr val="bg1"/>
+        </a:solidFill>
         <a:effectLst/>
       </p:bgPr>
     </p:bg>
@@ -5796,10 +6055,10 @@
       </p:grpSpPr>
       <p:sp useBgFill="1">
         <p:nvSpPr>
-          <p:cNvPr id="8" name="Rectangle 7">
+          <p:cNvPr id="15" name="Rectangle 14">
             <a:extLst>
               <a:ext uri="{FF2B5EF4-FFF2-40B4-BE49-F238E27FC236}">
-                <a16:creationId xmlns:a16="http://schemas.microsoft.com/office/drawing/2014/main" id="{3741B58E-3B65-4A01-A276-975AB2CF8A08}"/>
+                <a16:creationId xmlns:a16="http://schemas.microsoft.com/office/drawing/2014/main" id="{73734CDA-1CE8-4F1C-B0B3-AAB252B0135C}"/>
               </a:ext>
               <a:ext uri="{C183D7F6-B498-43B3-948B-1728B52AA6E4}">
                 <adec:decorative xmlns:adec="http://schemas.microsoft.com/office/drawing/2017/decorative" val="1"/>
@@ -5820,7 +6079,7 @@
         <p:spPr>
           <a:xfrm>
             <a:off x="0" y="0"/>
-            <a:ext cx="12186315" cy="6858000"/>
+            <a:ext cx="12192001" cy="6858000"/>
           </a:xfrm>
           <a:prstGeom prst="rect">
             <a:avLst/>
@@ -5831,15 +6090,15 @@
         </p:spPr>
         <p:style>
           <a:lnRef idx="2">
-            <a:schemeClr val="accent6">
+            <a:schemeClr val="accent1">
               <a:shade val="50000"/>
             </a:schemeClr>
           </a:lnRef>
-          <a:fillRef idx="1001">
-            <a:schemeClr val="lt1"/>
+          <a:fillRef idx="1">
+            <a:schemeClr val="accent1"/>
           </a:fillRef>
           <a:effectRef idx="0">
-            <a:schemeClr val="accent6"/>
+            <a:schemeClr val="accent1"/>
           </a:effectRef>
           <a:fontRef idx="minor">
             <a:schemeClr val="lt1"/>
@@ -5856,19 +6115,97 @@
       </p:sp>
       <p:sp>
         <p:nvSpPr>
-          <p:cNvPr id="10" name="Rectangle 9">
+          <p:cNvPr id="2" name="Title 1">
             <a:extLst>
               <a:ext uri="{FF2B5EF4-FFF2-40B4-BE49-F238E27FC236}">
-                <a16:creationId xmlns:a16="http://schemas.microsoft.com/office/drawing/2014/main" id="{7AAC67C3-831B-4AB1-A259-DFB839CAFAFC}"/>
+                <a16:creationId xmlns:a16="http://schemas.microsoft.com/office/drawing/2014/main" id="{BD0DEBF4-FB94-F260-CD86-E09F399643DD}"/>
+              </a:ext>
+            </a:extLst>
+          </p:cNvPr>
+          <p:cNvSpPr>
+            <a:spLocks noGrp="1"/>
+          </p:cNvSpPr>
+          <p:nvPr>
+            <p:ph type="title"/>
+          </p:nvPr>
+        </p:nvSpPr>
+        <p:spPr>
+          <a:xfrm>
+            <a:off x="4974771" y="634946"/>
+            <a:ext cx="6574972" cy="1450757"/>
+          </a:xfrm>
+        </p:spPr>
+        <p:txBody>
+          <a:bodyPr>
+            <a:normAutofit/>
+          </a:bodyPr>
+          <a:lstStyle/>
+          <a:p>
+            <a:r>
+              <a:rPr lang="en-GB">
+                <a:ea typeface="+mj-lt"/>
+                <a:cs typeface="+mj-lt"/>
+              </a:rPr>
+              <a:t>Why Game Hub?</a:t>
+            </a:r>
+            <a:endParaRPr lang="en-US">
+              <a:ea typeface="+mj-lt"/>
+              <a:cs typeface="+mj-lt"/>
+            </a:endParaRPr>
+          </a:p>
+        </p:txBody>
+      </p:sp>
+      <p:pic>
+        <p:nvPicPr>
+          <p:cNvPr id="3" name="Graphic 3" descr="Woman raising hands">
+            <a:extLst>
+              <a:ext uri="{FF2B5EF4-FFF2-40B4-BE49-F238E27FC236}">
+                <a16:creationId xmlns:a16="http://schemas.microsoft.com/office/drawing/2014/main" id="{00FAE0A0-ABEB-6FA5-51AD-841FD2BF586D}"/>
+              </a:ext>
+            </a:extLst>
+          </p:cNvPr>
+          <p:cNvPicPr>
+            <a:picLocks noChangeAspect="1"/>
+          </p:cNvPicPr>
+          <p:nvPr/>
+        </p:nvPicPr>
+        <p:blipFill>
+          <a:blip r:embed="rId2">
+            <a:extLst>
+              <a:ext uri="{96DAC541-7B7A-43D3-8B79-37D633B846F1}">
+                <asvg:svgBlip xmlns:asvg="http://schemas.microsoft.com/office/drawing/2016/SVG/main" r:embed="rId3"/>
+              </a:ext>
+            </a:extLst>
+          </a:blip>
+          <a:stretch>
+            <a:fillRect/>
+          </a:stretch>
+        </p:blipFill>
+        <p:spPr>
+          <a:xfrm>
+            <a:off x="634000" y="2040515"/>
+            <a:ext cx="3695179" cy="2316380"/>
+          </a:xfrm>
+          <a:prstGeom prst="rect">
+            <a:avLst/>
+          </a:prstGeom>
+        </p:spPr>
+      </p:pic>
+      <p:cxnSp>
+        <p:nvCxnSpPr>
+          <p:cNvPr id="17" name="Straight Connector 16">
+            <a:extLst>
+              <a:ext uri="{FF2B5EF4-FFF2-40B4-BE49-F238E27FC236}">
+                <a16:creationId xmlns:a16="http://schemas.microsoft.com/office/drawing/2014/main" id="{D7143990-FA50-4B23-AE6D-E17D22F52676}"/>
               </a:ext>
               <a:ext uri="{C183D7F6-B498-43B3-948B-1728B52AA6E4}">
                 <adec:decorative xmlns:adec="http://schemas.microsoft.com/office/drawing/2017/decorative" val="1"/>
               </a:ext>
             </a:extLst>
           </p:cNvPr>
-          <p:cNvSpPr>
-            <a:spLocks noGrp="1" noRot="1" noChangeAspect="1" noMove="1" noResize="1" noEditPoints="1" noAdjustHandles="1" noChangeArrowheads="1" noChangeShapeType="1" noTextEdit="1"/>
-          </p:cNvSpPr>
+          <p:cNvCxnSpPr>
+            <a:cxnSpLocks noGrp="1" noRot="1" noChangeAspect="1" noMove="1" noResize="1" noEditPoints="1" noAdjustHandles="1" noChangeArrowheads="1" noChangeShapeType="1"/>
+          </p:cNvCxnSpPr>
           <p:nvPr>
             <p:extLst>
               <p:ext uri="{386F3935-93C4-4BCD-93E2-E3B085C9AB24}">
@@ -5876,11 +6213,225 @@
               </p:ext>
             </p:extLst>
           </p:nvPr>
-        </p:nvSpPr>
+        </p:nvCxnSpPr>
         <p:spPr>
           <a:xfrm>
-            <a:off x="16" y="0"/>
-            <a:ext cx="4648593" cy="6858000"/>
+            <a:off x="5063482" y="2246569"/>
+            <a:ext cx="5852160" cy="0"/>
+          </a:xfrm>
+          <a:prstGeom prst="line">
+            <a:avLst/>
+          </a:prstGeom>
+          <a:ln w="12700">
+            <a:solidFill>
+              <a:schemeClr val="tx1">
+                <a:lumMod val="75000"/>
+                <a:lumOff val="25000"/>
+              </a:schemeClr>
+            </a:solidFill>
+          </a:ln>
+        </p:spPr>
+        <p:style>
+          <a:lnRef idx="1">
+            <a:schemeClr val="accent1"/>
+          </a:lnRef>
+          <a:fillRef idx="0">
+            <a:schemeClr val="accent1"/>
+          </a:fillRef>
+          <a:effectRef idx="0">
+            <a:schemeClr val="accent1"/>
+          </a:effectRef>
+          <a:fontRef idx="minor">
+            <a:schemeClr val="tx1"/>
+          </a:fontRef>
+        </p:style>
+      </p:cxnSp>
+      <p:sp>
+        <p:nvSpPr>
+          <p:cNvPr id="7" name="Content Placeholder 2">
+            <a:extLst>
+              <a:ext uri="{FF2B5EF4-FFF2-40B4-BE49-F238E27FC236}">
+                <a16:creationId xmlns:a16="http://schemas.microsoft.com/office/drawing/2014/main" id="{B3E9A944-86DD-684F-3C7E-889DF660A1EB}"/>
+              </a:ext>
+            </a:extLst>
+          </p:cNvPr>
+          <p:cNvSpPr>
+            <a:spLocks noGrp="1"/>
+          </p:cNvSpPr>
+          <p:nvPr>
+            <p:ph idx="1"/>
+          </p:nvPr>
+        </p:nvSpPr>
+        <p:spPr>
+          <a:xfrm>
+            <a:off x="4973711" y="2407436"/>
+            <a:ext cx="6576032" cy="3461657"/>
+          </a:xfrm>
+        </p:spPr>
+        <p:txBody>
+          <a:bodyPr vert="horz" lIns="0" tIns="45720" rIns="0" bIns="45720" rtlCol="0">
+            <a:normAutofit/>
+          </a:bodyPr>
+          <a:lstStyle/>
+          <a:p>
+            <a:pPr>
+              <a:lnSpc>
+                <a:spcPct val="100000"/>
+              </a:lnSpc>
+              <a:buFont typeface="Wingdings" panose="020F0502020204030204" pitchFamily="34" charset="0"/>
+              <a:buChar char="v"/>
+            </a:pPr>
+            <a:r>
+              <a:rPr lang="en-GB" sz="1600">
+                <a:ea typeface="+mn-lt"/>
+                <a:cs typeface="+mn-lt"/>
+              </a:rPr>
+              <a:t>Comprehensive and Reliable Content</a:t>
+            </a:r>
+          </a:p>
+          <a:p>
+            <a:pPr marL="0" indent="0">
+              <a:lnSpc>
+                <a:spcPct val="100000"/>
+              </a:lnSpc>
+              <a:buNone/>
+            </a:pPr>
+            <a:r>
+              <a:rPr lang="en-GB" sz="1600">
+                <a:ea typeface="+mn-lt"/>
+                <a:cs typeface="+mn-lt"/>
+              </a:rPr>
+              <a:t>Game Hub provides gamers with a centralized hub of comprehensive and reliable gaming content.</a:t>
+            </a:r>
+          </a:p>
+          <a:p>
+            <a:pPr>
+              <a:lnSpc>
+                <a:spcPct val="100000"/>
+              </a:lnSpc>
+              <a:buFont typeface="Wingdings" panose="020F0502020204030204" pitchFamily="34" charset="0"/>
+              <a:buChar char="v"/>
+            </a:pPr>
+            <a:r>
+              <a:rPr lang="en-GB" sz="1600">
+                <a:ea typeface="+mn-lt"/>
+                <a:cs typeface="+mn-lt"/>
+              </a:rPr>
+              <a:t>Enhanced Gaming Experience</a:t>
+            </a:r>
+          </a:p>
+          <a:p>
+            <a:pPr marL="0" indent="0">
+              <a:lnSpc>
+                <a:spcPct val="100000"/>
+              </a:lnSpc>
+              <a:buNone/>
+            </a:pPr>
+            <a:r>
+              <a:rPr lang="en-GB" sz="1600">
+                <a:ea typeface="+mn-lt"/>
+                <a:cs typeface="+mn-lt"/>
+              </a:rPr>
+              <a:t>Game Hub enhances your gaming experience by keeping you informed and up-to-date with the latest developments in the gaming world.</a:t>
+            </a:r>
+          </a:p>
+          <a:p>
+            <a:pPr>
+              <a:lnSpc>
+                <a:spcPct val="100000"/>
+              </a:lnSpc>
+              <a:buFont typeface="Wingdings"/>
+              <a:buChar char="v"/>
+            </a:pPr>
+            <a:r>
+              <a:rPr lang="en-GB" sz="1600">
+                <a:ea typeface="+mn-lt"/>
+                <a:cs typeface="+mn-lt"/>
+              </a:rPr>
+              <a:t>Thriving Gaming Community</a:t>
+            </a:r>
+          </a:p>
+          <a:p>
+            <a:pPr marL="0" indent="0">
+              <a:lnSpc>
+                <a:spcPct val="100000"/>
+              </a:lnSpc>
+              <a:buNone/>
+            </a:pPr>
+            <a:r>
+              <a:rPr lang="en-GB" sz="1600">
+                <a:ea typeface="+mn-lt"/>
+                <a:cs typeface="+mn-lt"/>
+              </a:rPr>
+              <a:t>Join a vibrant and engaging community of gamers on Game Hub, where you can connect, share insights, and build meaningful relationships.</a:t>
+            </a:r>
+          </a:p>
+          <a:p>
+            <a:pPr>
+              <a:lnSpc>
+                <a:spcPct val="100000"/>
+              </a:lnSpc>
+              <a:buFont typeface="Wingdings" panose="020F0502020204030204" pitchFamily="34" charset="0"/>
+              <a:buChar char="v"/>
+            </a:pPr>
+            <a:endParaRPr lang="en-GB" sz="1600">
+              <a:ea typeface="+mn-lt"/>
+              <a:cs typeface="+mn-lt"/>
+            </a:endParaRPr>
+          </a:p>
+          <a:p>
+            <a:pPr marL="0" indent="0">
+              <a:lnSpc>
+                <a:spcPct val="100000"/>
+              </a:lnSpc>
+              <a:buNone/>
+            </a:pPr>
+            <a:endParaRPr lang="en-GB" sz="1600">
+              <a:ea typeface="+mn-lt"/>
+              <a:cs typeface="+mn-lt"/>
+            </a:endParaRPr>
+          </a:p>
+          <a:p>
+            <a:pPr marL="0" indent="0">
+              <a:lnSpc>
+                <a:spcPct val="100000"/>
+              </a:lnSpc>
+              <a:buNone/>
+            </a:pPr>
+            <a:endParaRPr lang="en-GB" sz="1600">
+              <a:ea typeface="+mn-lt"/>
+              <a:cs typeface="+mn-lt"/>
+            </a:endParaRPr>
+          </a:p>
+        </p:txBody>
+      </p:sp>
+      <p:sp>
+        <p:nvSpPr>
+          <p:cNvPr id="19" name="Rectangle 18">
+            <a:extLst>
+              <a:ext uri="{FF2B5EF4-FFF2-40B4-BE49-F238E27FC236}">
+                <a16:creationId xmlns:a16="http://schemas.microsoft.com/office/drawing/2014/main" id="{3BD57AB6-3172-4520-B22E-FCD0184F3BA3}"/>
+              </a:ext>
+              <a:ext uri="{C183D7F6-B498-43B3-948B-1728B52AA6E4}">
+                <adec:decorative xmlns:adec="http://schemas.microsoft.com/office/drawing/2017/decorative" val="1"/>
+              </a:ext>
+            </a:extLst>
+          </p:cNvPr>
+          <p:cNvSpPr>
+            <a:spLocks noGrp="1" noRot="1" noChangeAspect="1" noMove="1" noResize="1" noEditPoints="1" noAdjustHandles="1" noChangeArrowheads="1" noChangeShapeType="1" noTextEdit="1"/>
+          </p:cNvSpPr>
+          <p:nvPr>
+            <p:extLst>
+              <p:ext uri="{386F3935-93C4-4BCD-93E2-E3B085C9AB24}">
+                <p16:designElem xmlns:p16="http://schemas.microsoft.com/office/powerpoint/2015/main" val="1"/>
+              </p:ext>
+            </p:extLst>
+          </p:nvPr>
+        </p:nvSpPr>
+        <p:spPr>
+          <a:xfrm>
+            <a:off x="0" y="6400800"/>
+            <a:ext cx="12192000" cy="457200"/>
           </a:xfrm>
           <a:prstGeom prst="rect">
             <a:avLst/>
@@ -5909,204 +6460,6 @@
           </a:fontRef>
         </p:style>
       </p:sp>
-      <p:sp>
-        <p:nvSpPr>
-          <p:cNvPr id="2" name="Title 1">
-            <a:extLst>
-              <a:ext uri="{FF2B5EF4-FFF2-40B4-BE49-F238E27FC236}">
-                <a16:creationId xmlns:a16="http://schemas.microsoft.com/office/drawing/2014/main" id="{BD0DEBF4-FB94-F260-CD86-E09F399643DD}"/>
-              </a:ext>
-            </a:extLst>
-          </p:cNvPr>
-          <p:cNvSpPr>
-            <a:spLocks noGrp="1"/>
-          </p:cNvSpPr>
-          <p:nvPr>
-            <p:ph type="title"/>
-          </p:nvPr>
-        </p:nvSpPr>
-        <p:spPr>
-          <a:xfrm>
-            <a:off x="492369" y="605896"/>
-            <a:ext cx="3642309" cy="5646208"/>
-          </a:xfrm>
-        </p:spPr>
-        <p:txBody>
-          <a:bodyPr anchor="ctr">
-            <a:normAutofit/>
-          </a:bodyPr>
-          <a:lstStyle/>
-          <a:p>
-            <a:r>
-              <a:rPr lang="en-GB" sz="4400">
-                <a:solidFill>
-                  <a:srgbClr val="FFFFFF"/>
-                </a:solidFill>
-                <a:ea typeface="+mj-lt"/>
-                <a:cs typeface="+mj-lt"/>
-              </a:rPr>
-              <a:t>Why Game Hub?</a:t>
-            </a:r>
-            <a:endParaRPr lang="en-US" sz="4400">
-              <a:solidFill>
-                <a:srgbClr val="FFFFFF"/>
-              </a:solidFill>
-              <a:ea typeface="+mj-lt"/>
-              <a:cs typeface="+mj-lt"/>
-            </a:endParaRPr>
-          </a:p>
-        </p:txBody>
-      </p:sp>
-      <p:sp>
-        <p:nvSpPr>
-          <p:cNvPr id="7" name="Content Placeholder 2">
-            <a:extLst>
-              <a:ext uri="{FF2B5EF4-FFF2-40B4-BE49-F238E27FC236}">
-                <a16:creationId xmlns:a16="http://schemas.microsoft.com/office/drawing/2014/main" id="{B3E9A944-86DD-684F-3C7E-889DF660A1EB}"/>
-              </a:ext>
-            </a:extLst>
-          </p:cNvPr>
-          <p:cNvSpPr>
-            <a:spLocks noGrp="1"/>
-          </p:cNvSpPr>
-          <p:nvPr>
-            <p:ph idx="1"/>
-          </p:nvPr>
-        </p:nvSpPr>
-        <p:spPr>
-          <a:xfrm>
-            <a:off x="5231958" y="2187405"/>
-            <a:ext cx="5923721" cy="4064699"/>
-          </a:xfrm>
-        </p:spPr>
-        <p:txBody>
-          <a:bodyPr vert="horz" lIns="0" tIns="45720" rIns="0" bIns="45720" rtlCol="0" anchor="ctr">
-            <a:normAutofit fontScale="92500" lnSpcReduction="20000"/>
-          </a:bodyPr>
-          <a:lstStyle/>
-          <a:p>
-            <a:pPr>
-              <a:buFont typeface="Wingdings" panose="020F0502020204030204" pitchFamily="34" charset="0"/>
-              <a:buChar char="v"/>
-            </a:pPr>
-            <a:r>
-              <a:rPr lang="en-GB" sz="2200" dirty="0">
-                <a:solidFill>
-                  <a:schemeClr val="bg1"/>
-                </a:solidFill>
-                <a:ea typeface="+mn-lt"/>
-                <a:cs typeface="+mn-lt"/>
-              </a:rPr>
-              <a:t>Comprehensive and Reliable Content</a:t>
-            </a:r>
-          </a:p>
-          <a:p>
-            <a:pPr marL="0" indent="0">
-              <a:buNone/>
-            </a:pPr>
-            <a:r>
-              <a:rPr lang="en-GB" sz="2200" dirty="0">
-                <a:solidFill>
-                  <a:schemeClr val="bg1"/>
-                </a:solidFill>
-                <a:ea typeface="+mn-lt"/>
-                <a:cs typeface="+mn-lt"/>
-              </a:rPr>
-              <a:t>Game Hub provides gamers with a centralized hub of comprehensive and reliable gaming content.</a:t>
-            </a:r>
-          </a:p>
-          <a:p>
-            <a:pPr>
-              <a:buFont typeface="Wingdings" panose="020F0502020204030204" pitchFamily="34" charset="0"/>
-              <a:buChar char="v"/>
-            </a:pPr>
-            <a:r>
-              <a:rPr lang="en-GB" sz="2200" dirty="0">
-                <a:solidFill>
-                  <a:schemeClr val="bg1"/>
-                </a:solidFill>
-                <a:ea typeface="+mn-lt"/>
-                <a:cs typeface="+mn-lt"/>
-              </a:rPr>
-              <a:t>Enhanced Gaming Experience</a:t>
-            </a:r>
-          </a:p>
-          <a:p>
-            <a:pPr marL="0" indent="0">
-              <a:buNone/>
-            </a:pPr>
-            <a:r>
-              <a:rPr lang="en-GB" sz="2200" dirty="0">
-                <a:solidFill>
-                  <a:schemeClr val="bg1"/>
-                </a:solidFill>
-                <a:ea typeface="+mn-lt"/>
-                <a:cs typeface="+mn-lt"/>
-              </a:rPr>
-              <a:t>Game Hub enhances your gaming experience by keeping you informed and up-to-date with the latest developments in the gaming world.</a:t>
-            </a:r>
-          </a:p>
-          <a:p>
-            <a:pPr>
-              <a:buFont typeface="Wingdings"/>
-              <a:buChar char="v"/>
-            </a:pPr>
-            <a:r>
-              <a:rPr lang="en-GB" sz="2200" dirty="0">
-                <a:solidFill>
-                  <a:schemeClr val="bg1"/>
-                </a:solidFill>
-                <a:ea typeface="+mn-lt"/>
-                <a:cs typeface="+mn-lt"/>
-              </a:rPr>
-              <a:t>Thriving Gaming Community</a:t>
-            </a:r>
-          </a:p>
-          <a:p>
-            <a:pPr marL="0" indent="0">
-              <a:buNone/>
-            </a:pPr>
-            <a:r>
-              <a:rPr lang="en-GB" sz="2200" dirty="0">
-                <a:solidFill>
-                  <a:schemeClr val="bg1"/>
-                </a:solidFill>
-                <a:ea typeface="+mn-lt"/>
-                <a:cs typeface="+mn-lt"/>
-              </a:rPr>
-              <a:t>Join a vibrant and engaging community of gamers on Game Hub, where you can connect, share insights, and build meaningful relationships.</a:t>
-            </a:r>
-          </a:p>
-          <a:p>
-            <a:pPr>
-              <a:buFont typeface="Wingdings" panose="020F0502020204030204" pitchFamily="34" charset="0"/>
-              <a:buChar char="v"/>
-            </a:pPr>
-            <a:endParaRPr lang="en-GB" sz="2200">
-              <a:ea typeface="+mn-lt"/>
-              <a:cs typeface="+mn-lt"/>
-            </a:endParaRPr>
-          </a:p>
-          <a:p>
-            <a:pPr marL="0" indent="0">
-              <a:buNone/>
-            </a:pPr>
-            <a:endParaRPr lang="en-GB" sz="2200">
-              <a:ea typeface="+mn-lt"/>
-              <a:cs typeface="+mn-lt"/>
-            </a:endParaRPr>
-          </a:p>
-          <a:p>
-            <a:pPr marL="0" indent="0">
-              <a:buNone/>
-            </a:pPr>
-            <a:endParaRPr lang="en-GB" sz="2200">
-              <a:ea typeface="+mn-lt"/>
-              <a:cs typeface="+mn-lt"/>
-            </a:endParaRPr>
-          </a:p>
-        </p:txBody>
-      </p:sp>
     </p:spTree>
     <p:extLst>
       <p:ext uri="{BB962C8B-B14F-4D97-AF65-F5344CB8AC3E}">
@@ -6125,12 +6478,9 @@
   <p:cSld>
     <p:bg>
       <p:bgPr>
-        <a:blipFill>
-          <a:blip r:embed="rId2"/>
-          <a:stretch>
-            <a:fillRect/>
-          </a:stretch>
-        </a:blipFill>
+        <a:solidFill>
+          <a:schemeClr val="bg1"/>
+        </a:solidFill>
         <a:effectLst/>
       </p:bgPr>
     </p:bg>
@@ -6148,12 +6498,72 @@
           <a:chExt cx="0" cy="0"/>
         </a:xfrm>
       </p:grpSpPr>
+      <p:sp useBgFill="1">
+        <p:nvSpPr>
+          <p:cNvPr id="15" name="Rectangle 14">
+            <a:extLst>
+              <a:ext uri="{FF2B5EF4-FFF2-40B4-BE49-F238E27FC236}">
+                <a16:creationId xmlns:a16="http://schemas.microsoft.com/office/drawing/2014/main" id="{73734CDA-1CE8-4F1C-B0B3-AAB252B0135C}"/>
+              </a:ext>
+              <a:ext uri="{C183D7F6-B498-43B3-948B-1728B52AA6E4}">
+                <adec:decorative xmlns:adec="http://schemas.microsoft.com/office/drawing/2017/decorative" val="1"/>
+              </a:ext>
+            </a:extLst>
+          </p:cNvPr>
+          <p:cNvSpPr>
+            <a:spLocks noGrp="1" noRot="1" noChangeAspect="1" noMove="1" noResize="1" noEditPoints="1" noAdjustHandles="1" noChangeArrowheads="1" noChangeShapeType="1" noTextEdit="1"/>
+          </p:cNvSpPr>
+          <p:nvPr>
+            <p:extLst>
+              <p:ext uri="{386F3935-93C4-4BCD-93E2-E3B085C9AB24}">
+                <p16:designElem xmlns:p16="http://schemas.microsoft.com/office/powerpoint/2015/main" val="1"/>
+              </p:ext>
+            </p:extLst>
+          </p:nvPr>
+        </p:nvSpPr>
+        <p:spPr>
+          <a:xfrm>
+            <a:off x="0" y="0"/>
+            <a:ext cx="12192001" cy="6858000"/>
+          </a:xfrm>
+          <a:prstGeom prst="rect">
+            <a:avLst/>
+          </a:prstGeom>
+          <a:ln>
+            <a:noFill/>
+          </a:ln>
+        </p:spPr>
+        <p:style>
+          <a:lnRef idx="2">
+            <a:schemeClr val="accent1">
+              <a:shade val="50000"/>
+            </a:schemeClr>
+          </a:lnRef>
+          <a:fillRef idx="1">
+            <a:schemeClr val="accent1"/>
+          </a:fillRef>
+          <a:effectRef idx="0">
+            <a:schemeClr val="accent1"/>
+          </a:effectRef>
+          <a:fontRef idx="minor">
+            <a:schemeClr val="lt1"/>
+          </a:fontRef>
+        </p:style>
+        <p:txBody>
+          <a:bodyPr rtlCol="0" anchor="ctr"/>
+          <a:lstStyle/>
+          <a:p>
+            <a:pPr algn="ctr"/>
+            <a:endParaRPr lang="en-US"/>
+          </a:p>
+        </p:txBody>
+      </p:sp>
       <p:sp>
         <p:nvSpPr>
           <p:cNvPr id="2" name="Title 1">
             <a:extLst>
               <a:ext uri="{FF2B5EF4-FFF2-40B4-BE49-F238E27FC236}">
-                <a16:creationId xmlns:a16="http://schemas.microsoft.com/office/drawing/2014/main" id="{B1672CB6-B9D9-0913-4547-CF45CE8F4912}"/>
+                <a16:creationId xmlns:a16="http://schemas.microsoft.com/office/drawing/2014/main" id="{53A9201A-4135-4C5C-81F7-333487197409}"/>
               </a:ext>
             </a:extLst>
           </p:cNvPr>
@@ -6164,24 +6574,129 @@
             <p:ph type="title"/>
           </p:nvPr>
         </p:nvSpPr>
-        <p:spPr/>
-        <p:txBody>
-          <a:bodyPr/>
+        <p:spPr>
+          <a:xfrm>
+            <a:off x="4974771" y="634946"/>
+            <a:ext cx="6574972" cy="1450757"/>
+          </a:xfrm>
+        </p:spPr>
+        <p:txBody>
+          <a:bodyPr>
+            <a:normAutofit/>
+          </a:bodyPr>
           <a:lstStyle/>
           <a:p>
             <a:r>
-              <a:rPr lang="en-GB" dirty="0"/>
-              <a:t>Conclusion</a:t>
-            </a:r>
-          </a:p>
-        </p:txBody>
-      </p:sp>
+              <a:rPr lang="en-GB">
+                <a:ea typeface="+mj-lt"/>
+                <a:cs typeface="+mj-lt"/>
+              </a:rPr>
+              <a:t>Tools and Technology Used</a:t>
+            </a:r>
+            <a:endParaRPr lang="en-US">
+              <a:ea typeface="+mj-lt"/>
+              <a:cs typeface="+mj-lt"/>
+            </a:endParaRPr>
+          </a:p>
+        </p:txBody>
+      </p:sp>
+      <p:pic>
+        <p:nvPicPr>
+          <p:cNvPr id="4" name="Graphic 4" descr="Man holding controller">
+            <a:extLst>
+              <a:ext uri="{FF2B5EF4-FFF2-40B4-BE49-F238E27FC236}">
+                <a16:creationId xmlns:a16="http://schemas.microsoft.com/office/drawing/2014/main" id="{48D031AC-56DC-1102-C387-57CE9B01982E}"/>
+              </a:ext>
+            </a:extLst>
+          </p:cNvPr>
+          <p:cNvPicPr>
+            <a:picLocks noChangeAspect="1"/>
+          </p:cNvPicPr>
+          <p:nvPr/>
+        </p:nvPicPr>
+        <p:blipFill>
+          <a:blip r:embed="rId2">
+            <a:extLst>
+              <a:ext uri="{96DAC541-7B7A-43D3-8B79-37D633B846F1}">
+                <asvg:svgBlip xmlns:asvg="http://schemas.microsoft.com/office/drawing/2016/SVG/main" r:embed="rId3"/>
+              </a:ext>
+            </a:extLst>
+          </a:blip>
+          <a:stretch>
+            <a:fillRect/>
+          </a:stretch>
+        </p:blipFill>
+        <p:spPr>
+          <a:xfrm>
+            <a:off x="634000" y="1323540"/>
+            <a:ext cx="3695179" cy="3750330"/>
+          </a:xfrm>
+          <a:prstGeom prst="rect">
+            <a:avLst/>
+          </a:prstGeom>
+        </p:spPr>
+      </p:pic>
+      <p:cxnSp>
+        <p:nvCxnSpPr>
+          <p:cNvPr id="17" name="Straight Connector 16">
+            <a:extLst>
+              <a:ext uri="{FF2B5EF4-FFF2-40B4-BE49-F238E27FC236}">
+                <a16:creationId xmlns:a16="http://schemas.microsoft.com/office/drawing/2014/main" id="{D7143990-FA50-4B23-AE6D-E17D22F52676}"/>
+              </a:ext>
+              <a:ext uri="{C183D7F6-B498-43B3-948B-1728B52AA6E4}">
+                <adec:decorative xmlns:adec="http://schemas.microsoft.com/office/drawing/2017/decorative" val="1"/>
+              </a:ext>
+            </a:extLst>
+          </p:cNvPr>
+          <p:cNvCxnSpPr>
+            <a:cxnSpLocks noGrp="1" noRot="1" noChangeAspect="1" noMove="1" noResize="1" noEditPoints="1" noAdjustHandles="1" noChangeArrowheads="1" noChangeShapeType="1"/>
+          </p:cNvCxnSpPr>
+          <p:nvPr>
+            <p:extLst>
+              <p:ext uri="{386F3935-93C4-4BCD-93E2-E3B085C9AB24}">
+                <p16:designElem xmlns:p16="http://schemas.microsoft.com/office/powerpoint/2015/main" val="1"/>
+              </p:ext>
+            </p:extLst>
+          </p:nvPr>
+        </p:nvCxnSpPr>
+        <p:spPr>
+          <a:xfrm>
+            <a:off x="5063482" y="2246569"/>
+            <a:ext cx="5852160" cy="0"/>
+          </a:xfrm>
+          <a:prstGeom prst="line">
+            <a:avLst/>
+          </a:prstGeom>
+          <a:ln w="12700">
+            <a:solidFill>
+              <a:schemeClr val="tx1">
+                <a:lumMod val="75000"/>
+                <a:lumOff val="25000"/>
+              </a:schemeClr>
+            </a:solidFill>
+          </a:ln>
+        </p:spPr>
+        <p:style>
+          <a:lnRef idx="1">
+            <a:schemeClr val="accent1"/>
+          </a:lnRef>
+          <a:fillRef idx="0">
+            <a:schemeClr val="accent1"/>
+          </a:fillRef>
+          <a:effectRef idx="0">
+            <a:schemeClr val="accent1"/>
+          </a:effectRef>
+          <a:fontRef idx="minor">
+            <a:schemeClr val="tx1"/>
+          </a:fontRef>
+        </p:style>
+      </p:cxnSp>
       <p:sp>
         <p:nvSpPr>
           <p:cNvPr id="3" name="Content Placeholder 2">
             <a:extLst>
               <a:ext uri="{FF2B5EF4-FFF2-40B4-BE49-F238E27FC236}">
-                <a16:creationId xmlns:a16="http://schemas.microsoft.com/office/drawing/2014/main" id="{DC2D26DB-6C44-DEC3-1441-5383A55E3FA7}"/>
+                <a16:creationId xmlns:a16="http://schemas.microsoft.com/office/drawing/2014/main" id="{8FFD7CBE-6AFE-EC69-7B5A-868E177C7A06}"/>
               </a:ext>
             </a:extLst>
           </p:cNvPr>
@@ -6192,27 +6707,184 @@
             <p:ph idx="1"/>
           </p:nvPr>
         </p:nvSpPr>
-        <p:spPr/>
-        <p:txBody>
-          <a:bodyPr vert="horz" lIns="0" tIns="45720" rIns="0" bIns="45720" rtlCol="0" anchor="t">
+        <p:spPr>
+          <a:xfrm>
+            <a:off x="4973711" y="2407436"/>
+            <a:ext cx="6576032" cy="3461657"/>
+          </a:xfrm>
+        </p:spPr>
+        <p:txBody>
+          <a:bodyPr vert="horz" lIns="0" tIns="45720" rIns="0" bIns="45720" rtlCol="0">
             <a:normAutofit/>
           </a:bodyPr>
           <a:lstStyle/>
           <a:p>
-            <a:r>
-              <a:rPr lang="en-GB" dirty="0">
+            <a:pPr>
+              <a:lnSpc>
+                <a:spcPct val="100000"/>
+              </a:lnSpc>
+              <a:buFont typeface="Wingdings" panose="020F0502020204030204" pitchFamily="34" charset="0"/>
+              <a:buChar char="Ø"/>
+            </a:pPr>
+            <a:r>
+              <a:rPr lang="en-GB" sz="1600">
                 <a:ea typeface="+mn-lt"/>
                 <a:cs typeface="+mn-lt"/>
               </a:rPr>
-              <a:t>Thank you for joining us today as we explored Game Hub, the ultimate destination for gamers. With comprehensive gaming content, an enhanced gaming experience, and a vibrant community, Game Hub offers an unparalleled platform for connecting, learning, and elevating your gaming journey. Visit our website, sign up, and embark on an incredible gaming adventure with Game Hub. Together, let's unlock the full potential of gaming. Thank you!</a:t>
-            </a:r>
-          </a:p>
-        </p:txBody>
+              <a:t>List of tools:</a:t>
+            </a:r>
+            <a:endParaRPr lang="en-US" sz="1600"/>
+          </a:p>
+          <a:p>
+            <a:pPr>
+              <a:lnSpc>
+                <a:spcPct val="100000"/>
+              </a:lnSpc>
+              <a:buFont typeface="Wingdings" panose="020F0502020204030204" pitchFamily="34" charset="0"/>
+              <a:buChar char="§"/>
+            </a:pPr>
+            <a:r>
+              <a:rPr lang="en-GB" sz="1600">
+                <a:ea typeface="+mn-lt"/>
+                <a:cs typeface="+mn-lt"/>
+              </a:rPr>
+              <a:t>HTML</a:t>
+            </a:r>
+          </a:p>
+          <a:p>
+            <a:pPr>
+              <a:lnSpc>
+                <a:spcPct val="100000"/>
+              </a:lnSpc>
+              <a:buFont typeface="Wingdings" panose="020F0502020204030204" pitchFamily="34" charset="0"/>
+              <a:buChar char="§"/>
+            </a:pPr>
+            <a:r>
+              <a:rPr lang="en-GB" sz="1600">
+                <a:ea typeface="+mn-lt"/>
+                <a:cs typeface="+mn-lt"/>
+              </a:rPr>
+              <a:t>CSS</a:t>
+            </a:r>
+          </a:p>
+          <a:p>
+            <a:pPr>
+              <a:lnSpc>
+                <a:spcPct val="100000"/>
+              </a:lnSpc>
+              <a:buFont typeface="Wingdings" panose="020F0502020204030204" pitchFamily="34" charset="0"/>
+              <a:buChar char="§"/>
+            </a:pPr>
+            <a:r>
+              <a:rPr lang="en-GB" sz="1600">
+                <a:ea typeface="+mn-lt"/>
+                <a:cs typeface="+mn-lt"/>
+              </a:rPr>
+              <a:t>JavaScript</a:t>
+            </a:r>
+          </a:p>
+          <a:p>
+            <a:pPr>
+              <a:lnSpc>
+                <a:spcPct val="100000"/>
+              </a:lnSpc>
+              <a:buFont typeface="Wingdings" panose="020F0502020204030204" pitchFamily="34" charset="0"/>
+              <a:buChar char="§"/>
+            </a:pPr>
+            <a:r>
+              <a:rPr lang="en-GB" sz="1600">
+                <a:ea typeface="+mn-lt"/>
+                <a:cs typeface="+mn-lt"/>
+              </a:rPr>
+              <a:t>PHP</a:t>
+            </a:r>
+          </a:p>
+          <a:p>
+            <a:pPr>
+              <a:lnSpc>
+                <a:spcPct val="100000"/>
+              </a:lnSpc>
+              <a:buFont typeface="Wingdings" panose="020F0502020204030204" pitchFamily="34" charset="0"/>
+              <a:buChar char="§"/>
+            </a:pPr>
+            <a:r>
+              <a:rPr lang="en-GB" sz="1600">
+                <a:ea typeface="+mn-lt"/>
+                <a:cs typeface="+mn-lt"/>
+              </a:rPr>
+              <a:t>Our team utilized a combination of HTML, CSS, JavaScript, and PHP to develop and enhance the features and functionality of Game Hub. HTML provided the structure and semantic markup of the website, CSS was used for styling and layout, JavaScript added interactivity and dynamic elements, while PHP handled server-side processing and database interactions.</a:t>
+            </a:r>
+            <a:endParaRPr lang="en-GB" sz="1600"/>
+          </a:p>
+          <a:p>
+            <a:pPr>
+              <a:lnSpc>
+                <a:spcPct val="100000"/>
+              </a:lnSpc>
+            </a:pPr>
+            <a:endParaRPr lang="en-GB" sz="1600"/>
+          </a:p>
+        </p:txBody>
+      </p:sp>
+      <p:sp>
+        <p:nvSpPr>
+          <p:cNvPr id="19" name="Rectangle 18">
+            <a:extLst>
+              <a:ext uri="{FF2B5EF4-FFF2-40B4-BE49-F238E27FC236}">
+                <a16:creationId xmlns:a16="http://schemas.microsoft.com/office/drawing/2014/main" id="{3BD57AB6-3172-4520-B22E-FCD0184F3BA3}"/>
+              </a:ext>
+              <a:ext uri="{C183D7F6-B498-43B3-948B-1728B52AA6E4}">
+                <adec:decorative xmlns:adec="http://schemas.microsoft.com/office/drawing/2017/decorative" val="1"/>
+              </a:ext>
+            </a:extLst>
+          </p:cNvPr>
+          <p:cNvSpPr>
+            <a:spLocks noGrp="1" noRot="1" noChangeAspect="1" noMove="1" noResize="1" noEditPoints="1" noAdjustHandles="1" noChangeArrowheads="1" noChangeShapeType="1" noTextEdit="1"/>
+          </p:cNvSpPr>
+          <p:nvPr>
+            <p:extLst>
+              <p:ext uri="{386F3935-93C4-4BCD-93E2-E3B085C9AB24}">
+                <p16:designElem xmlns:p16="http://schemas.microsoft.com/office/powerpoint/2015/main" val="1"/>
+              </p:ext>
+            </p:extLst>
+          </p:nvPr>
+        </p:nvSpPr>
+        <p:spPr>
+          <a:xfrm>
+            <a:off x="0" y="6400800"/>
+            <a:ext cx="12192000" cy="457200"/>
+          </a:xfrm>
+          <a:prstGeom prst="rect">
+            <a:avLst/>
+          </a:prstGeom>
+          <a:solidFill>
+            <a:srgbClr val="262626"/>
+          </a:solidFill>
+          <a:ln>
+            <a:noFill/>
+          </a:ln>
+        </p:spPr>
+        <p:style>
+          <a:lnRef idx="2">
+            <a:schemeClr val="accent1">
+              <a:shade val="50000"/>
+            </a:schemeClr>
+          </a:lnRef>
+          <a:fillRef idx="1">
+            <a:schemeClr val="accent1"/>
+          </a:fillRef>
+          <a:effectRef idx="0">
+            <a:schemeClr val="accent1"/>
+          </a:effectRef>
+          <a:fontRef idx="minor">
+            <a:schemeClr val="lt1"/>
+          </a:fontRef>
+        </p:style>
       </p:sp>
     </p:spTree>
     <p:extLst>
       <p:ext uri="{BB962C8B-B14F-4D97-AF65-F5344CB8AC3E}">
-        <p14:creationId xmlns:p14="http://schemas.microsoft.com/office/powerpoint/2010/main" val="2797633341"/>
+        <p14:creationId xmlns:p14="http://schemas.microsoft.com/office/powerpoint/2010/main" val="654581123"/>
       </p:ext>
     </p:extLst>
   </p:cSld>
@@ -6255,6 +6927,108 @@
           <p:cNvPr id="2" name="Title 1">
             <a:extLst>
               <a:ext uri="{FF2B5EF4-FFF2-40B4-BE49-F238E27FC236}">
+                <a16:creationId xmlns:a16="http://schemas.microsoft.com/office/drawing/2014/main" id="{B1672CB6-B9D9-0913-4547-CF45CE8F4912}"/>
+              </a:ext>
+            </a:extLst>
+          </p:cNvPr>
+          <p:cNvSpPr>
+            <a:spLocks noGrp="1"/>
+          </p:cNvSpPr>
+          <p:nvPr>
+            <p:ph type="title"/>
+          </p:nvPr>
+        </p:nvSpPr>
+        <p:spPr/>
+        <p:txBody>
+          <a:bodyPr/>
+          <a:lstStyle/>
+          <a:p>
+            <a:r>
+              <a:rPr lang="en-GB" dirty="0"/>
+              <a:t>Conclusion</a:t>
+            </a:r>
+          </a:p>
+        </p:txBody>
+      </p:sp>
+      <p:sp>
+        <p:nvSpPr>
+          <p:cNvPr id="3" name="Content Placeholder 2">
+            <a:extLst>
+              <a:ext uri="{FF2B5EF4-FFF2-40B4-BE49-F238E27FC236}">
+                <a16:creationId xmlns:a16="http://schemas.microsoft.com/office/drawing/2014/main" id="{DC2D26DB-6C44-DEC3-1441-5383A55E3FA7}"/>
+              </a:ext>
+            </a:extLst>
+          </p:cNvPr>
+          <p:cNvSpPr>
+            <a:spLocks noGrp="1"/>
+          </p:cNvSpPr>
+          <p:nvPr>
+            <p:ph idx="1"/>
+          </p:nvPr>
+        </p:nvSpPr>
+        <p:spPr/>
+        <p:txBody>
+          <a:bodyPr vert="horz" lIns="0" tIns="45720" rIns="0" bIns="45720" rtlCol="0" anchor="t">
+            <a:normAutofit/>
+          </a:bodyPr>
+          <a:lstStyle/>
+          <a:p>
+            <a:r>
+              <a:rPr lang="en-GB" dirty="0">
+                <a:ea typeface="+mn-lt"/>
+                <a:cs typeface="+mn-lt"/>
+              </a:rPr>
+              <a:t>Thank you for joining us today as we explored Game Hub, the ultimate destination for gamers. With comprehensive gaming content, an enhanced gaming experience, and a vibrant community, Game Hub offers an unparalleled platform for connecting, learning, and elevating your gaming journey. Visit our website, sign up, and embark on an incredible gaming adventure with Game Hub. Together, let's unlock the full potential of gaming. Thank you!</a:t>
+            </a:r>
+          </a:p>
+        </p:txBody>
+      </p:sp>
+    </p:spTree>
+    <p:extLst>
+      <p:ext uri="{BB962C8B-B14F-4D97-AF65-F5344CB8AC3E}">
+        <p14:creationId xmlns:p14="http://schemas.microsoft.com/office/powerpoint/2010/main" val="2797633341"/>
+      </p:ext>
+    </p:extLst>
+  </p:cSld>
+  <p:clrMapOvr>
+    <a:masterClrMapping/>
+  </p:clrMapOvr>
+</p:sld>
+</file>
+
+<file path=ppt/slides/slide8.xml><?xml version="1.0" encoding="utf-8"?>
+<p:sld xmlns:a="http://schemas.openxmlformats.org/drawingml/2006/main" xmlns:r="http://schemas.openxmlformats.org/officeDocument/2006/relationships" xmlns:p="http://schemas.openxmlformats.org/presentationml/2006/main">
+  <p:cSld>
+    <p:bg>
+      <p:bgPr>
+        <a:blipFill>
+          <a:blip r:embed="rId2"/>
+          <a:stretch>
+            <a:fillRect/>
+          </a:stretch>
+        </a:blipFill>
+        <a:effectLst/>
+      </p:bgPr>
+    </p:bg>
+    <p:spTree>
+      <p:nvGrpSpPr>
+        <p:cNvPr id="1" name=""/>
+        <p:cNvGrpSpPr/>
+        <p:nvPr/>
+      </p:nvGrpSpPr>
+      <p:grpSpPr>
+        <a:xfrm>
+          <a:off x="0" y="0"/>
+          <a:ext cx="0" cy="0"/>
+          <a:chOff x="0" y="0"/>
+          <a:chExt cx="0" cy="0"/>
+        </a:xfrm>
+      </p:grpSpPr>
+      <p:sp>
+        <p:nvSpPr>
+          <p:cNvPr id="2" name="Title 1">
+            <a:extLst>
+              <a:ext uri="{FF2B5EF4-FFF2-40B4-BE49-F238E27FC236}">
                 <a16:creationId xmlns:a16="http://schemas.microsoft.com/office/drawing/2014/main" id="{43FC9178-9F89-65C2-174E-F921EFA423F3}"/>
               </a:ext>
             </a:extLst>
@@ -6498,7 +7272,7 @@
 </p:sld>
 </file>
 
-<file path=ppt/slides/slide8.xml><?xml version="1.0" encoding="utf-8"?>
+<file path=ppt/slides/slide9.xml><?xml version="1.0" encoding="utf-8"?>
 <p:sld xmlns:a="http://schemas.openxmlformats.org/drawingml/2006/main" xmlns:r="http://schemas.openxmlformats.org/officeDocument/2006/relationships" xmlns:p="http://schemas.openxmlformats.org/presentationml/2006/main">
   <p:cSld>
     <p:bg>
@@ -6609,115 +7383,6 @@
     <p:extLst>
       <p:ext uri="{BB962C8B-B14F-4D97-AF65-F5344CB8AC3E}">
         <p14:creationId xmlns:p14="http://schemas.microsoft.com/office/powerpoint/2010/main" val="2467781180"/>
-      </p:ext>
-    </p:extLst>
-  </p:cSld>
-  <p:clrMapOvr>
-    <a:masterClrMapping/>
-  </p:clrMapOvr>
-</p:sld>
-</file>
-
-<file path=ppt/slides/slide9.xml><?xml version="1.0" encoding="utf-8"?>
-<p:sld xmlns:a="http://schemas.openxmlformats.org/drawingml/2006/main" xmlns:r="http://schemas.openxmlformats.org/officeDocument/2006/relationships" xmlns:p="http://schemas.openxmlformats.org/presentationml/2006/main">
-  <p:cSld>
-    <p:bg>
-      <p:bgPr>
-        <a:blipFill>
-          <a:blip r:embed="rId2"/>
-          <a:stretch>
-            <a:fillRect/>
-          </a:stretch>
-        </a:blipFill>
-        <a:effectLst/>
-      </p:bgPr>
-    </p:bg>
-    <p:spTree>
-      <p:nvGrpSpPr>
-        <p:cNvPr id="1" name=""/>
-        <p:cNvGrpSpPr/>
-        <p:nvPr/>
-      </p:nvGrpSpPr>
-      <p:grpSpPr>
-        <a:xfrm>
-          <a:off x="0" y="0"/>
-          <a:ext cx="0" cy="0"/>
-          <a:chOff x="0" y="0"/>
-          <a:chExt cx="0" cy="0"/>
-        </a:xfrm>
-      </p:grpSpPr>
-      <p:sp>
-        <p:nvSpPr>
-          <p:cNvPr id="2" name="Title 1">
-            <a:extLst>
-              <a:ext uri="{FF2B5EF4-FFF2-40B4-BE49-F238E27FC236}">
-                <a16:creationId xmlns:a16="http://schemas.microsoft.com/office/drawing/2014/main" id="{11F8F6FA-7E0C-5C29-45F8-A2B49BE056DF}"/>
-              </a:ext>
-            </a:extLst>
-          </p:cNvPr>
-          <p:cNvSpPr>
-            <a:spLocks noGrp="1"/>
-          </p:cNvSpPr>
-          <p:nvPr>
-            <p:ph type="title" idx="4294967295"/>
-          </p:nvPr>
-        </p:nvSpPr>
-        <p:spPr>
-          <a:xfrm>
-            <a:off x="2133600" y="287338"/>
-            <a:ext cx="10058400" cy="1449387"/>
-          </a:xfrm>
-        </p:spPr>
-        <p:txBody>
-          <a:bodyPr/>
-          <a:lstStyle/>
-          <a:p>
-            <a:r>
-              <a:rPr lang="en-GB" dirty="0"/>
-              <a:t>At the end</a:t>
-            </a:r>
-          </a:p>
-        </p:txBody>
-      </p:sp>
-      <p:sp>
-        <p:nvSpPr>
-          <p:cNvPr id="3" name="Content Placeholder 2">
-            <a:extLst>
-              <a:ext uri="{FF2B5EF4-FFF2-40B4-BE49-F238E27FC236}">
-                <a16:creationId xmlns:a16="http://schemas.microsoft.com/office/drawing/2014/main" id="{344304FF-18A0-D314-758C-ED17459097EE}"/>
-              </a:ext>
-            </a:extLst>
-          </p:cNvPr>
-          <p:cNvSpPr>
-            <a:spLocks noGrp="1"/>
-          </p:cNvSpPr>
-          <p:nvPr>
-            <p:ph idx="4294967295"/>
-          </p:nvPr>
-        </p:nvSpPr>
-        <p:spPr>
-          <a:xfrm>
-            <a:off x="2133600" y="2108200"/>
-            <a:ext cx="10058400" cy="3760788"/>
-          </a:xfrm>
-        </p:spPr>
-        <p:txBody>
-          <a:bodyPr vert="horz" lIns="0" tIns="45720" rIns="0" bIns="45720" rtlCol="0" anchor="t">
-            <a:normAutofit/>
-          </a:bodyPr>
-          <a:lstStyle/>
-          <a:p>
-            <a:r>
-              <a:rPr lang="en-GB" dirty="0"/>
-              <a:t>Any Questions?</a:t>
-            </a:r>
-          </a:p>
-        </p:txBody>
-      </p:sp>
-    </p:spTree>
-    <p:extLst>
-      <p:ext uri="{BB962C8B-B14F-4D97-AF65-F5344CB8AC3E}">
-        <p14:creationId xmlns:p14="http://schemas.microsoft.com/office/powerpoint/2010/main" val="2800591013"/>
       </p:ext>
     </p:extLst>
   </p:cSld>
